--- a/Lending Club Case Study (Sourav Sirohi and Sidharth Rai).pptx
+++ b/Lending Club Case Study (Sourav Sirohi and Sidharth Rai).pptx
@@ -136,6 +136,11 @@
       </a:defRPr>
     </a:lvl9pPr>
   </p:defaultTextStyle>
+  <p:extLst>
+    <p:ext uri="{EFAFB233-063F-42B5-8137-9DF3F51BA10A}">
+      <p15:sldGuideLst xmlns:p15="http://schemas.microsoft.com/office/powerpoint/2012/main"/>
+    </p:ext>
+  </p:extLst>
 </p:presentation>
 </file>
 
@@ -4212,7 +4217,7 @@
           <a:p>
             <a:fld id="{51A13C7D-2250-4F11-A7F9-0A189B3409FC}" type="datetimeFigureOut">
               <a:rPr lang="en-IN" smtClean="0"/>
-              <a:t>06-05-2024</a:t>
+              <a:t>07-05-2024</a:t>
             </a:fld>
             <a:endParaRPr lang="en-IN"/>
           </a:p>
@@ -4382,7 +4387,7 @@
           <a:p>
             <a:fld id="{51A13C7D-2250-4F11-A7F9-0A189B3409FC}" type="datetimeFigureOut">
               <a:rPr lang="en-IN" smtClean="0"/>
-              <a:t>06-05-2024</a:t>
+              <a:t>07-05-2024</a:t>
             </a:fld>
             <a:endParaRPr lang="en-IN"/>
           </a:p>
@@ -4562,7 +4567,7 @@
           <a:p>
             <a:fld id="{51A13C7D-2250-4F11-A7F9-0A189B3409FC}" type="datetimeFigureOut">
               <a:rPr lang="en-IN" smtClean="0"/>
-              <a:t>06-05-2024</a:t>
+              <a:t>07-05-2024</a:t>
             </a:fld>
             <a:endParaRPr lang="en-IN"/>
           </a:p>
@@ -4732,7 +4737,7 @@
           <a:p>
             <a:fld id="{51A13C7D-2250-4F11-A7F9-0A189B3409FC}" type="datetimeFigureOut">
               <a:rPr lang="en-IN" smtClean="0"/>
-              <a:t>06-05-2024</a:t>
+              <a:t>07-05-2024</a:t>
             </a:fld>
             <a:endParaRPr lang="en-IN"/>
           </a:p>
@@ -4990,7 +4995,7 @@
           <a:p>
             <a:fld id="{51A13C7D-2250-4F11-A7F9-0A189B3409FC}" type="datetimeFigureOut">
               <a:rPr lang="en-IN" smtClean="0"/>
-              <a:t>06-05-2024</a:t>
+              <a:t>07-05-2024</a:t>
             </a:fld>
             <a:endParaRPr lang="en-IN"/>
           </a:p>
@@ -5278,7 +5283,7 @@
           <a:p>
             <a:fld id="{51A13C7D-2250-4F11-A7F9-0A189B3409FC}" type="datetimeFigureOut">
               <a:rPr lang="en-IN" smtClean="0"/>
-              <a:t>06-05-2024</a:t>
+              <a:t>07-05-2024</a:t>
             </a:fld>
             <a:endParaRPr lang="en-IN"/>
           </a:p>
@@ -5720,7 +5725,7 @@
           <a:p>
             <a:fld id="{51A13C7D-2250-4F11-A7F9-0A189B3409FC}" type="datetimeFigureOut">
               <a:rPr lang="en-IN" smtClean="0"/>
-              <a:t>06-05-2024</a:t>
+              <a:t>07-05-2024</a:t>
             </a:fld>
             <a:endParaRPr lang="en-IN"/>
           </a:p>
@@ -5838,7 +5843,7 @@
           <a:p>
             <a:fld id="{51A13C7D-2250-4F11-A7F9-0A189B3409FC}" type="datetimeFigureOut">
               <a:rPr lang="en-IN" smtClean="0"/>
-              <a:t>06-05-2024</a:t>
+              <a:t>07-05-2024</a:t>
             </a:fld>
             <a:endParaRPr lang="en-IN"/>
           </a:p>
@@ -5933,7 +5938,7 @@
           <a:p>
             <a:fld id="{51A13C7D-2250-4F11-A7F9-0A189B3409FC}" type="datetimeFigureOut">
               <a:rPr lang="en-IN" smtClean="0"/>
-              <a:t>06-05-2024</a:t>
+              <a:t>07-05-2024</a:t>
             </a:fld>
             <a:endParaRPr lang="en-IN"/>
           </a:p>
@@ -6221,7 +6226,7 @@
           <a:p>
             <a:fld id="{51A13C7D-2250-4F11-A7F9-0A189B3409FC}" type="datetimeFigureOut">
               <a:rPr lang="en-IN" smtClean="0"/>
-              <a:t>06-05-2024</a:t>
+              <a:t>07-05-2024</a:t>
             </a:fld>
             <a:endParaRPr lang="en-IN"/>
           </a:p>
@@ -6494,7 +6499,7 @@
           <a:p>
             <a:fld id="{51A13C7D-2250-4F11-A7F9-0A189B3409FC}" type="datetimeFigureOut">
               <a:rPr lang="en-IN" smtClean="0"/>
-              <a:t>06-05-2024</a:t>
+              <a:t>07-05-2024</a:t>
             </a:fld>
             <a:endParaRPr lang="en-IN"/>
           </a:p>
@@ -6791,7 +6796,7 @@
           <a:p>
             <a:fld id="{51A13C7D-2250-4F11-A7F9-0A189B3409FC}" type="datetimeFigureOut">
               <a:rPr lang="en-IN" smtClean="0"/>
-              <a:t>06-05-2024</a:t>
+              <a:t>07-05-2024</a:t>
             </a:fld>
             <a:endParaRPr lang="en-IN"/>
           </a:p>
@@ -16734,6 +16739,45 @@
           </a:p>
         </p:txBody>
       </p:sp>
+      <p:pic>
+        <p:nvPicPr>
+          <p:cNvPr id="6" name="Graphic 5" descr="Chevron arrows">
+            <a:extLst>
+              <a:ext uri="{FF2B5EF4-FFF2-40B4-BE49-F238E27FC236}">
+                <a16:creationId xmlns:a16="http://schemas.microsoft.com/office/drawing/2014/main" id="{55F8096B-8BA3-0613-72AA-A72EC705A58B}"/>
+              </a:ext>
+            </a:extLst>
+          </p:cNvPr>
+          <p:cNvPicPr>
+            <a:picLocks noChangeAspect="1"/>
+          </p:cNvPicPr>
+          <p:nvPr/>
+        </p:nvPicPr>
+        <p:blipFill>
+          <a:blip r:embed="rId2">
+            <a:extLst>
+              <a:ext uri="{28A0092B-C50C-407E-A947-70E740481C1C}">
+                <a14:useLocalDpi xmlns:a14="http://schemas.microsoft.com/office/drawing/2010/main" val="0"/>
+              </a:ext>
+              <a:ext uri="{96DAC541-7B7A-43D3-8B79-37D633B846F1}">
+                <asvg:svgBlip xmlns:asvg="http://schemas.microsoft.com/office/drawing/2016/SVG/main" r:embed="rId3"/>
+              </a:ext>
+            </a:extLst>
+          </a:blip>
+          <a:stretch>
+            <a:fillRect/>
+          </a:stretch>
+        </p:blipFill>
+        <p:spPr>
+          <a:xfrm>
+            <a:off x="10798961" y="406121"/>
+            <a:ext cx="914400" cy="914400"/>
+          </a:xfrm>
+          <a:prstGeom prst="rect">
+            <a:avLst/>
+          </a:prstGeom>
+        </p:spPr>
+      </p:pic>
     </p:spTree>
     <p:extLst>
       <p:ext uri="{BB962C8B-B14F-4D97-AF65-F5344CB8AC3E}">
@@ -17169,6 +17213,45 @@
           </a:p>
         </p:txBody>
       </p:sp>
+      <p:pic>
+        <p:nvPicPr>
+          <p:cNvPr id="5" name="Graphic 4" descr="Target Audience">
+            <a:extLst>
+              <a:ext uri="{FF2B5EF4-FFF2-40B4-BE49-F238E27FC236}">
+                <a16:creationId xmlns:a16="http://schemas.microsoft.com/office/drawing/2014/main" id="{A7901ADC-8306-5260-DC80-C7B26BAC7BD4}"/>
+              </a:ext>
+            </a:extLst>
+          </p:cNvPr>
+          <p:cNvPicPr>
+            <a:picLocks noChangeAspect="1"/>
+          </p:cNvPicPr>
+          <p:nvPr/>
+        </p:nvPicPr>
+        <p:blipFill>
+          <a:blip r:embed="rId2">
+            <a:extLst>
+              <a:ext uri="{28A0092B-C50C-407E-A947-70E740481C1C}">
+                <a14:useLocalDpi xmlns:a14="http://schemas.microsoft.com/office/drawing/2010/main" val="0"/>
+              </a:ext>
+              <a:ext uri="{96DAC541-7B7A-43D3-8B79-37D633B846F1}">
+                <asvg:svgBlip xmlns:asvg="http://schemas.microsoft.com/office/drawing/2016/SVG/main" r:embed="rId3"/>
+              </a:ext>
+            </a:extLst>
+          </a:blip>
+          <a:stretch>
+            <a:fillRect/>
+          </a:stretch>
+        </p:blipFill>
+        <p:spPr>
+          <a:xfrm>
+            <a:off x="10334972" y="105341"/>
+            <a:ext cx="1468233" cy="1468233"/>
+          </a:xfrm>
+          <a:prstGeom prst="rect">
+            <a:avLst/>
+          </a:prstGeom>
+        </p:spPr>
+      </p:pic>
     </p:spTree>
     <p:extLst>
       <p:ext uri="{BB962C8B-B14F-4D97-AF65-F5344CB8AC3E}">
